--- a/FPGA專題實習Two _counter.pptx
+++ b/FPGA專題實習Two _counter.pptx
@@ -8,6 +8,7 @@
     <p:sldId id="256" r:id="rId2"/>
     <p:sldId id="257" r:id="rId3"/>
     <p:sldId id="258" r:id="rId4"/>
+    <p:sldId id="259" r:id="rId5"/>
   </p:sldIdLst>
   <p:sldSz cx="12192000" cy="6858000"/>
   <p:notesSz cx="6858000" cy="9144000"/>
@@ -106,6 +107,11 @@
       </a:defRPr>
     </a:lvl9pPr>
   </p:defaultTextStyle>
+  <p:extLst>
+    <p:ext uri="{EFAFB233-063F-42B5-8137-9DF3F51BA10A}">
+      <p15:sldGuideLst xmlns:p15="http://schemas.microsoft.com/office/powerpoint/2012/main"/>
+    </p:ext>
+  </p:extLst>
 </p:presentation>
 </file>
 
@@ -4464,6 +4470,132 @@
     <p:extLst>
       <p:ext uri="{BB962C8B-B14F-4D97-AF65-F5344CB8AC3E}">
         <p14:creationId xmlns:p14="http://schemas.microsoft.com/office/powerpoint/2010/main" val="3591997410"/>
+      </p:ext>
+    </p:extLst>
+  </p:cSld>
+  <p:clrMapOvr>
+    <a:masterClrMapping/>
+  </p:clrMapOvr>
+</p:sld>
+</file>
+
+<file path=ppt/slides/slide4.xml><?xml version="1.0" encoding="utf-8"?>
+<p:sld xmlns:a="http://schemas.openxmlformats.org/drawingml/2006/main" xmlns:r="http://schemas.openxmlformats.org/officeDocument/2006/relationships" xmlns:p="http://schemas.openxmlformats.org/presentationml/2006/main">
+  <p:cSld>
+    <p:spTree>
+      <p:nvGrpSpPr>
+        <p:cNvPr id="1" name=""/>
+        <p:cNvGrpSpPr/>
+        <p:nvPr/>
+      </p:nvGrpSpPr>
+      <p:grpSpPr>
+        <a:xfrm>
+          <a:off x="0" y="0"/>
+          <a:ext cx="0" cy="0"/>
+          <a:chOff x="0" y="0"/>
+          <a:chExt cx="0" cy="0"/>
+        </a:xfrm>
+      </p:grpSpPr>
+      <p:sp>
+        <p:nvSpPr>
+          <p:cNvPr id="4" name="標題 1">
+            <a:extLst>
+              <a:ext uri="{FF2B5EF4-FFF2-40B4-BE49-F238E27FC236}">
+                <a16:creationId xmlns:a16="http://schemas.microsoft.com/office/drawing/2014/main" id="{D1F5C4D4-7FE1-5421-50E0-D01D6F850E3A}"/>
+              </a:ext>
+            </a:extLst>
+          </p:cNvPr>
+          <p:cNvSpPr txBox="1">
+            <a:spLocks/>
+          </p:cNvSpPr>
+          <p:nvPr/>
+        </p:nvSpPr>
+        <p:spPr>
+          <a:xfrm>
+            <a:off x="727296" y="660904"/>
+            <a:ext cx="5854574" cy="1158844"/>
+          </a:xfrm>
+          <a:prstGeom prst="rect">
+            <a:avLst/>
+          </a:prstGeom>
+        </p:spPr>
+        <p:txBody>
+          <a:bodyPr vert="horz" lIns="91440" tIns="45720" rIns="91440" bIns="45720" rtlCol="0" anchor="ctr">
+            <a:normAutofit fontScale="97500"/>
+          </a:bodyPr>
+          <a:lstStyle>
+            <a:lvl1pPr algn="l" defTabSz="914400" rtl="0" eaLnBrk="1" latinLnBrk="0" hangingPunct="1">
+              <a:lnSpc>
+                <a:spcPct val="90000"/>
+              </a:lnSpc>
+              <a:spcBef>
+                <a:spcPct val="0"/>
+              </a:spcBef>
+              <a:buNone/>
+              <a:defRPr sz="4400" kern="1200">
+                <a:solidFill>
+                  <a:schemeClr val="tx1"/>
+                </a:solidFill>
+                <a:latin typeface="+mj-lt"/>
+                <a:ea typeface="+mj-ea"/>
+                <a:cs typeface="+mj-cs"/>
+              </a:defRPr>
+            </a:lvl1pPr>
+          </a:lstStyle>
+          <a:p>
+            <a:r>
+              <a:rPr lang="zh-TW" altLang="en-US" sz="3100" kern="100" dirty="0">
+                <a:latin typeface="Aptos" panose="020B0004020202020204" pitchFamily="34" charset="0"/>
+                <a:ea typeface="新細明體" panose="02020500000000000000" pitchFamily="18" charset="-120"/>
+                <a:cs typeface="Times New Roman" panose="02020603050405020304" pitchFamily="18" charset="0"/>
+              </a:rPr>
+              <a:t>波形圖</a:t>
+            </a:r>
+            <a:br>
+              <a:rPr lang="zh-TW" altLang="zh-TW" sz="1800" kern="100" dirty="0">
+                <a:latin typeface="Aptos" panose="020B0004020202020204" pitchFamily="34" charset="0"/>
+                <a:ea typeface="新細明體" panose="02020500000000000000" pitchFamily="18" charset="-120"/>
+                <a:cs typeface="Times New Roman" panose="02020603050405020304" pitchFamily="18" charset="0"/>
+              </a:rPr>
+            </a:br>
+            <a:endParaRPr lang="zh-TW" altLang="en-US" dirty="0"/>
+          </a:p>
+        </p:txBody>
+      </p:sp>
+      <p:pic>
+        <p:nvPicPr>
+          <p:cNvPr id="6" name="圖片 5">
+            <a:extLst>
+              <a:ext uri="{FF2B5EF4-FFF2-40B4-BE49-F238E27FC236}">
+                <a16:creationId xmlns:a16="http://schemas.microsoft.com/office/drawing/2014/main" id="{24D5A965-F5C6-A165-FB9E-3EE410824918}"/>
+              </a:ext>
+            </a:extLst>
+          </p:cNvPr>
+          <p:cNvPicPr>
+            <a:picLocks noChangeAspect="1"/>
+          </p:cNvPicPr>
+          <p:nvPr/>
+        </p:nvPicPr>
+        <p:blipFill>
+          <a:blip r:embed="rId2"/>
+          <a:stretch>
+            <a:fillRect/>
+          </a:stretch>
+        </p:blipFill>
+        <p:spPr>
+          <a:xfrm>
+            <a:off x="1597889" y="1354932"/>
+            <a:ext cx="8608291" cy="4842164"/>
+          </a:xfrm>
+          <a:prstGeom prst="rect">
+            <a:avLst/>
+          </a:prstGeom>
+        </p:spPr>
+      </p:pic>
+    </p:spTree>
+    <p:extLst>
+      <p:ext uri="{BB962C8B-B14F-4D97-AF65-F5344CB8AC3E}">
+        <p14:creationId xmlns:p14="http://schemas.microsoft.com/office/powerpoint/2010/main" val="3251887516"/>
       </p:ext>
     </p:extLst>
   </p:cSld>
